--- a/지위위계/250423_지위위계 로직 검토.pptx
+++ b/지위위계/250423_지위위계 로직 검토.pptx
@@ -213,7 +213,7 @@
           <a:p>
             <a:fld id="{1498F9CD-F5CE-48FF-8A90-5434A87CBC87}" type="datetimeFigureOut">
               <a:rPr lang="ko-KR" altLang="en-US" smtClean="0"/>
-              <a:t>2025-05-23</a:t>
+              <a:t>2025-04-25</a:t>
             </a:fld>
             <a:endParaRPr lang="ko-KR" altLang="en-US"/>
           </a:p>
@@ -711,7 +711,7 @@
           <a:p>
             <a:fld id="{34EC83EA-D533-4362-BC68-0C0C847619C8}" type="datetimeFigureOut">
               <a:rPr lang="ko-KR" altLang="en-US" smtClean="0"/>
-              <a:t>2025-05-23</a:t>
+              <a:t>2025-04-25</a:t>
             </a:fld>
             <a:endParaRPr lang="ko-KR" altLang="en-US"/>
           </a:p>
@@ -909,7 +909,7 @@
           <a:p>
             <a:fld id="{34EC83EA-D533-4362-BC68-0C0C847619C8}" type="datetimeFigureOut">
               <a:rPr lang="ko-KR" altLang="en-US" smtClean="0"/>
-              <a:t>2025-05-23</a:t>
+              <a:t>2025-04-25</a:t>
             </a:fld>
             <a:endParaRPr lang="ko-KR" altLang="en-US"/>
           </a:p>
@@ -1117,7 +1117,7 @@
           <a:p>
             <a:fld id="{34EC83EA-D533-4362-BC68-0C0C847619C8}" type="datetimeFigureOut">
               <a:rPr lang="ko-KR" altLang="en-US" smtClean="0"/>
-              <a:t>2025-05-23</a:t>
+              <a:t>2025-04-25</a:t>
             </a:fld>
             <a:endParaRPr lang="ko-KR" altLang="en-US"/>
           </a:p>
@@ -2231,7 +2231,7 @@
           <a:p>
             <a:fld id="{34EC83EA-D533-4362-BC68-0C0C847619C8}" type="datetimeFigureOut">
               <a:rPr lang="ko-KR" altLang="en-US" smtClean="0"/>
-              <a:t>2025-05-23</a:t>
+              <a:t>2025-04-25</a:t>
             </a:fld>
             <a:endParaRPr lang="ko-KR" altLang="en-US"/>
           </a:p>
@@ -2506,7 +2506,7 @@
           <a:p>
             <a:fld id="{34EC83EA-D533-4362-BC68-0C0C847619C8}" type="datetimeFigureOut">
               <a:rPr lang="ko-KR" altLang="en-US" smtClean="0"/>
-              <a:t>2025-05-23</a:t>
+              <a:t>2025-04-25</a:t>
             </a:fld>
             <a:endParaRPr lang="ko-KR" altLang="en-US"/>
           </a:p>
@@ -2771,7 +2771,7 @@
           <a:p>
             <a:fld id="{34EC83EA-D533-4362-BC68-0C0C847619C8}" type="datetimeFigureOut">
               <a:rPr lang="ko-KR" altLang="en-US" smtClean="0"/>
-              <a:t>2025-05-23</a:t>
+              <a:t>2025-04-25</a:t>
             </a:fld>
             <a:endParaRPr lang="ko-KR" altLang="en-US"/>
           </a:p>
@@ -3183,7 +3183,7 @@
           <a:p>
             <a:fld id="{34EC83EA-D533-4362-BC68-0C0C847619C8}" type="datetimeFigureOut">
               <a:rPr lang="ko-KR" altLang="en-US" smtClean="0"/>
-              <a:t>2025-05-23</a:t>
+              <a:t>2025-04-25</a:t>
             </a:fld>
             <a:endParaRPr lang="ko-KR" altLang="en-US"/>
           </a:p>
@@ -3324,7 +3324,7 @@
           <a:p>
             <a:fld id="{34EC83EA-D533-4362-BC68-0C0C847619C8}" type="datetimeFigureOut">
               <a:rPr lang="ko-KR" altLang="en-US" smtClean="0"/>
-              <a:t>2025-05-23</a:t>
+              <a:t>2025-04-25</a:t>
             </a:fld>
             <a:endParaRPr lang="ko-KR" altLang="en-US"/>
           </a:p>
@@ -3437,7 +3437,7 @@
           <a:p>
             <a:fld id="{34EC83EA-D533-4362-BC68-0C0C847619C8}" type="datetimeFigureOut">
               <a:rPr lang="ko-KR" altLang="en-US" smtClean="0"/>
-              <a:t>2025-05-23</a:t>
+              <a:t>2025-04-25</a:t>
             </a:fld>
             <a:endParaRPr lang="ko-KR" altLang="en-US"/>
           </a:p>
@@ -3748,7 +3748,7 @@
           <a:p>
             <a:fld id="{34EC83EA-D533-4362-BC68-0C0C847619C8}" type="datetimeFigureOut">
               <a:rPr lang="ko-KR" altLang="en-US" smtClean="0"/>
-              <a:t>2025-05-23</a:t>
+              <a:t>2025-04-25</a:t>
             </a:fld>
             <a:endParaRPr lang="ko-KR" altLang="en-US"/>
           </a:p>
@@ -4036,7 +4036,7 @@
           <a:p>
             <a:fld id="{34EC83EA-D533-4362-BC68-0C0C847619C8}" type="datetimeFigureOut">
               <a:rPr lang="ko-KR" altLang="en-US" smtClean="0"/>
-              <a:t>2025-05-23</a:t>
+              <a:t>2025-04-25</a:t>
             </a:fld>
             <a:endParaRPr lang="ko-KR" altLang="en-US"/>
           </a:p>
@@ -4277,7 +4277,7 @@
           <a:p>
             <a:fld id="{34EC83EA-D533-4362-BC68-0C0C847619C8}" type="datetimeFigureOut">
               <a:rPr lang="ko-KR" altLang="en-US" smtClean="0"/>
-              <a:t>2025-05-23</a:t>
+              <a:t>2025-04-25</a:t>
             </a:fld>
             <a:endParaRPr lang="ko-KR" altLang="en-US"/>
           </a:p>
@@ -11472,393 +11472,6 @@
           </a:p>
         </p:txBody>
       </p:sp>
-      <mc:AlternateContent xmlns:mc="http://schemas.openxmlformats.org/markup-compatibility/2006">
-        <mc:Choice xmlns:a14="http://schemas.microsoft.com/office/drawing/2010/main" Requires="a14">
-          <p:sp>
-            <p:nvSpPr>
-              <p:cNvPr id="8" name="TextBox 7">
-                <a:extLst>
-                  <a:ext uri="{FF2B5EF4-FFF2-40B4-BE49-F238E27FC236}">
-                    <a16:creationId xmlns:a16="http://schemas.microsoft.com/office/drawing/2014/main" id="{9D277881-20BA-9B1C-4AFE-034A731DC489}"/>
-                  </a:ext>
-                </a:extLst>
-              </p:cNvPr>
-              <p:cNvSpPr txBox="1"/>
-              <p:nvPr/>
-            </p:nvSpPr>
-            <p:spPr>
-              <a:xfrm>
-                <a:off x="217746" y="3429000"/>
-                <a:ext cx="3282836" cy="582404"/>
-              </a:xfrm>
-              <a:prstGeom prst="rect">
-                <a:avLst/>
-              </a:prstGeom>
-              <a:noFill/>
-            </p:spPr>
-            <p:txBody>
-              <a:bodyPr wrap="square">
-                <a:spAutoFit/>
-              </a:bodyPr>
-              <a:lstStyle/>
-              <a:p>
-                <a14:m>
-                  <m:oMathPara xmlns:m="http://schemas.openxmlformats.org/officeDocument/2006/math">
-                    <m:oMathParaPr>
-                      <m:jc m:val="centerGroup"/>
-                    </m:oMathParaPr>
-                    <m:oMath xmlns:m="http://schemas.openxmlformats.org/officeDocument/2006/math">
-                      <m:r>
-                        <a:rPr lang="en-US" altLang="ko-KR" sz="1500" i="1" dirty="0" smtClean="0">
-                          <a:solidFill>
-                            <a:schemeClr val="tx1"/>
-                          </a:solidFill>
-                          <a:latin typeface="Cambria Math" panose="02040503050406030204" pitchFamily="18" charset="0"/>
-                        </a:rPr>
-                        <m:t>𝐺</m:t>
-                      </m:r>
-                      <m:r>
-                        <a:rPr lang="en-US" altLang="ko-KR" sz="1500" i="0" dirty="0">
-                          <a:solidFill>
-                            <a:schemeClr val="tx1"/>
-                          </a:solidFill>
-                          <a:latin typeface="Cambria Math" panose="02040503050406030204" pitchFamily="18" charset="0"/>
-                        </a:rPr>
-                        <m:t>=</m:t>
-                      </m:r>
-                      <m:f>
-                        <m:fPr>
-                          <m:ctrlPr>
-                            <a:rPr lang="en-US" altLang="ko-KR" sz="1500" i="1" dirty="0">
-                              <a:solidFill>
-                                <a:schemeClr val="tx1"/>
-                              </a:solidFill>
-                              <a:latin typeface="Cambria Math" panose="02040503050406030204" pitchFamily="18" charset="0"/>
-                            </a:rPr>
-                          </m:ctrlPr>
-                        </m:fPr>
-                        <m:num>
-                          <m:nary>
-                            <m:naryPr>
-                              <m:chr m:val="∑"/>
-                              <m:ctrlPr>
-                                <a:rPr lang="en-US" altLang="ko-KR" sz="1500" i="1" dirty="0" smtClean="0">
-                                  <a:solidFill>
-                                    <a:schemeClr val="tx1"/>
-                                  </a:solidFill>
-                                  <a:latin typeface="Cambria Math" panose="02040503050406030204" pitchFamily="18" charset="0"/>
-                                </a:rPr>
-                              </m:ctrlPr>
-                            </m:naryPr>
-                            <m:sub>
-                              <m:r>
-                                <m:rPr>
-                                  <m:brk m:alnAt="23"/>
-                                </m:rPr>
-                                <a:rPr lang="en-US" altLang="ko-KR" sz="1500" b="0" i="1" dirty="0" smtClean="0">
-                                  <a:solidFill>
-                                    <a:schemeClr val="tx1"/>
-                                  </a:solidFill>
-                                  <a:latin typeface="Cambria Math" panose="02040503050406030204" pitchFamily="18" charset="0"/>
-                                </a:rPr>
-                                <m:t>𝑖</m:t>
-                              </m:r>
-                              <m:r>
-                                <a:rPr lang="en-US" altLang="ko-KR" sz="1500" b="0" i="1" dirty="0" smtClean="0">
-                                  <a:solidFill>
-                                    <a:schemeClr val="tx1"/>
-                                  </a:solidFill>
-                                  <a:latin typeface="Cambria Math" panose="02040503050406030204" pitchFamily="18" charset="0"/>
-                                </a:rPr>
-                                <m:t>=1</m:t>
-                              </m:r>
-                            </m:sub>
-                            <m:sup>
-                              <m:r>
-                                <a:rPr lang="en-US" altLang="ko-KR" sz="1500" b="0" i="1" dirty="0" smtClean="0">
-                                  <a:solidFill>
-                                    <a:schemeClr val="tx1"/>
-                                  </a:solidFill>
-                                  <a:latin typeface="Cambria Math" panose="02040503050406030204" pitchFamily="18" charset="0"/>
-                                </a:rPr>
-                                <m:t>𝑛</m:t>
-                              </m:r>
-                            </m:sup>
-                            <m:e>
-                              <m:nary>
-                                <m:naryPr>
-                                  <m:chr m:val="∑"/>
-                                  <m:ctrlPr>
-                                    <a:rPr lang="en-US" altLang="ko-KR" sz="1500" i="1" dirty="0" smtClean="0">
-                                      <a:solidFill>
-                                        <a:schemeClr val="tx1"/>
-                                      </a:solidFill>
-                                      <a:latin typeface="Cambria Math" panose="02040503050406030204" pitchFamily="18" charset="0"/>
-                                    </a:rPr>
-                                  </m:ctrlPr>
-                                </m:naryPr>
-                                <m:sub>
-                                  <m:r>
-                                    <m:rPr>
-                                      <m:brk m:alnAt="23"/>
-                                    </m:rPr>
-                                    <a:rPr lang="en-US" altLang="ko-KR" sz="1500" b="0" i="1" dirty="0" smtClean="0">
-                                      <a:solidFill>
-                                        <a:schemeClr val="tx1"/>
-                                      </a:solidFill>
-                                      <a:latin typeface="Cambria Math" panose="02040503050406030204" pitchFamily="18" charset="0"/>
-                                    </a:rPr>
-                                    <m:t>𝑗</m:t>
-                                  </m:r>
-                                  <m:r>
-                                    <a:rPr lang="en-US" altLang="ko-KR" sz="1500" b="0" i="1" dirty="0" smtClean="0">
-                                      <a:solidFill>
-                                        <a:schemeClr val="tx1"/>
-                                      </a:solidFill>
-                                      <a:latin typeface="Cambria Math" panose="02040503050406030204" pitchFamily="18" charset="0"/>
-                                    </a:rPr>
-                                    <m:t>=1</m:t>
-                                  </m:r>
-                                </m:sub>
-                                <m:sup>
-                                  <m:r>
-                                    <a:rPr lang="en-US" altLang="ko-KR" sz="1500" b="0" i="1" dirty="0" smtClean="0">
-                                      <a:solidFill>
-                                        <a:schemeClr val="tx1"/>
-                                      </a:solidFill>
-                                      <a:latin typeface="Cambria Math" panose="02040503050406030204" pitchFamily="18" charset="0"/>
-                                    </a:rPr>
-                                    <m:t>𝑛</m:t>
-                                  </m:r>
-                                </m:sup>
-                                <m:e>
-                                  <m:d>
-                                    <m:dPr>
-                                      <m:begChr m:val="|"/>
-                                      <m:endChr m:val="|"/>
-                                      <m:ctrlPr>
-                                        <a:rPr lang="en-US" altLang="ko-KR" sz="1500" i="1" dirty="0" smtClean="0">
-                                          <a:solidFill>
-                                            <a:schemeClr val="tx1"/>
-                                          </a:solidFill>
-                                          <a:latin typeface="Cambria Math" panose="02040503050406030204" pitchFamily="18" charset="0"/>
-                                        </a:rPr>
-                                      </m:ctrlPr>
-                                    </m:dPr>
-                                    <m:e>
-                                      <m:sSub>
-                                        <m:sSubPr>
-                                          <m:ctrlPr>
-                                            <a:rPr lang="en-US" altLang="ko-KR" sz="1500" i="1" dirty="0" smtClean="0">
-                                              <a:solidFill>
-                                                <a:schemeClr val="tx1"/>
-                                              </a:solidFill>
-                                              <a:latin typeface="Cambria Math" panose="02040503050406030204" pitchFamily="18" charset="0"/>
-                                            </a:rPr>
-                                          </m:ctrlPr>
-                                        </m:sSubPr>
-                                        <m:e>
-                                          <m:r>
-                                            <a:rPr lang="en-US" altLang="ko-KR" sz="1500" b="0" i="1" dirty="0" smtClean="0">
-                                              <a:solidFill>
-                                                <a:schemeClr val="tx1"/>
-                                              </a:solidFill>
-                                              <a:latin typeface="Cambria Math" panose="02040503050406030204" pitchFamily="18" charset="0"/>
-                                            </a:rPr>
-                                            <m:t>𝑥</m:t>
-                                          </m:r>
-                                        </m:e>
-                                        <m:sub>
-                                          <m:r>
-                                            <a:rPr lang="en-US" altLang="ko-KR" sz="1500" b="0" i="1" dirty="0" smtClean="0">
-                                              <a:solidFill>
-                                                <a:schemeClr val="tx1"/>
-                                              </a:solidFill>
-                                              <a:latin typeface="Cambria Math" panose="02040503050406030204" pitchFamily="18" charset="0"/>
-                                            </a:rPr>
-                                            <m:t>𝑖</m:t>
-                                          </m:r>
-                                        </m:sub>
-                                      </m:sSub>
-                                      <m:r>
-                                        <a:rPr lang="en-US" altLang="ko-KR" sz="1500" b="0" i="1" dirty="0" smtClean="0">
-                                          <a:solidFill>
-                                            <a:schemeClr val="tx1"/>
-                                          </a:solidFill>
-                                          <a:latin typeface="Cambria Math" panose="02040503050406030204" pitchFamily="18" charset="0"/>
-                                        </a:rPr>
-                                        <m:t>−</m:t>
-                                      </m:r>
-                                      <m:sSub>
-                                        <m:sSubPr>
-                                          <m:ctrlPr>
-                                            <a:rPr lang="en-US" altLang="ko-KR" sz="1500" b="0" i="1" dirty="0" smtClean="0">
-                                              <a:solidFill>
-                                                <a:schemeClr val="tx1"/>
-                                              </a:solidFill>
-                                              <a:latin typeface="Cambria Math" panose="02040503050406030204" pitchFamily="18" charset="0"/>
-                                            </a:rPr>
-                                          </m:ctrlPr>
-                                        </m:sSubPr>
-                                        <m:e>
-                                          <m:r>
-                                            <a:rPr lang="en-US" altLang="ko-KR" sz="1500" b="0" i="1" dirty="0" smtClean="0">
-                                              <a:solidFill>
-                                                <a:schemeClr val="tx1"/>
-                                              </a:solidFill>
-                                              <a:latin typeface="Cambria Math" panose="02040503050406030204" pitchFamily="18" charset="0"/>
-                                            </a:rPr>
-                                            <m:t>𝑥</m:t>
-                                          </m:r>
-                                        </m:e>
-                                        <m:sub>
-                                          <m:r>
-                                            <a:rPr lang="en-US" altLang="ko-KR" sz="1500" b="0" i="1" dirty="0" smtClean="0">
-                                              <a:solidFill>
-                                                <a:schemeClr val="tx1"/>
-                                              </a:solidFill>
-                                              <a:latin typeface="Cambria Math" panose="02040503050406030204" pitchFamily="18" charset="0"/>
-                                            </a:rPr>
-                                            <m:t>𝑗</m:t>
-                                          </m:r>
-                                        </m:sub>
-                                      </m:sSub>
-                                    </m:e>
-                                  </m:d>
-                                </m:e>
-                              </m:nary>
-                            </m:e>
-                          </m:nary>
-                        </m:num>
-                        <m:den>
-                          <m:r>
-                            <a:rPr lang="en-US" altLang="ko-KR" sz="1500" i="0" dirty="0">
-                              <a:solidFill>
-                                <a:schemeClr val="tx1"/>
-                              </a:solidFill>
-                              <a:latin typeface="Cambria Math" panose="02040503050406030204" pitchFamily="18" charset="0"/>
-                            </a:rPr>
-                            <m:t>2</m:t>
-                          </m:r>
-                          <m:sSup>
-                            <m:sSupPr>
-                              <m:ctrlPr>
-                                <a:rPr lang="en-US" altLang="ko-KR" sz="1500" i="1" dirty="0">
-                                  <a:solidFill>
-                                    <a:schemeClr val="tx1"/>
-                                  </a:solidFill>
-                                  <a:latin typeface="Cambria Math" panose="02040503050406030204" pitchFamily="18" charset="0"/>
-                                </a:rPr>
-                              </m:ctrlPr>
-                            </m:sSupPr>
-                            <m:e>
-                              <m:r>
-                                <a:rPr lang="en-US" altLang="ko-KR" sz="1500" i="1" dirty="0">
-                                  <a:solidFill>
-                                    <a:schemeClr val="tx1"/>
-                                  </a:solidFill>
-                                  <a:latin typeface="Cambria Math" panose="02040503050406030204" pitchFamily="18" charset="0"/>
-                                </a:rPr>
-                                <m:t>𝑛</m:t>
-                              </m:r>
-                            </m:e>
-                            <m:sup>
-                              <m:r>
-                                <a:rPr lang="en-US" altLang="ko-KR" sz="1500" i="0" dirty="0">
-                                  <a:solidFill>
-                                    <a:schemeClr val="tx1"/>
-                                  </a:solidFill>
-                                  <a:latin typeface="Cambria Math" panose="02040503050406030204" pitchFamily="18" charset="0"/>
-                                </a:rPr>
-                                <m:t>2</m:t>
-                              </m:r>
-                            </m:sup>
-                          </m:sSup>
-                          <m:acc>
-                            <m:accPr>
-                              <m:chr m:val="̅"/>
-                              <m:ctrlPr>
-                                <a:rPr lang="en-US" altLang="ko-KR" sz="1500" i="1" dirty="0">
-                                  <a:solidFill>
-                                    <a:schemeClr val="tx1"/>
-                                  </a:solidFill>
-                                  <a:latin typeface="Cambria Math" panose="02040503050406030204" pitchFamily="18" charset="0"/>
-                                </a:rPr>
-                              </m:ctrlPr>
-                            </m:accPr>
-                            <m:e>
-                              <m:r>
-                                <a:rPr lang="en-US" altLang="ko-KR" sz="1500" i="1" dirty="0">
-                                  <a:solidFill>
-                                    <a:schemeClr val="tx1"/>
-                                  </a:solidFill>
-                                  <a:latin typeface="Cambria Math" panose="02040503050406030204" pitchFamily="18" charset="0"/>
-                                </a:rPr>
-                                <m:t>𝑥</m:t>
-                              </m:r>
-                            </m:e>
-                          </m:acc>
-                        </m:den>
-                      </m:f>
-                    </m:oMath>
-                  </m:oMathPara>
-                </a14:m>
-                <a:endParaRPr lang="en-US" altLang="ko-KR" sz="1500" dirty="0">
-                  <a:solidFill>
-                    <a:schemeClr val="tx1"/>
-                  </a:solidFill>
-                  <a:latin typeface="나눔스퀘어" panose="020B0600000101010101" pitchFamily="50" charset="-127"/>
-                  <a:ea typeface="나눔스퀘어" panose="020B0600000101010101" pitchFamily="50" charset="-127"/>
-                </a:endParaRPr>
-              </a:p>
-            </p:txBody>
-          </p:sp>
-        </mc:Choice>
-        <mc:Fallback>
-          <p:sp>
-            <p:nvSpPr>
-              <p:cNvPr id="8" name="TextBox 7">
-                <a:extLst>
-                  <a:ext uri="{FF2B5EF4-FFF2-40B4-BE49-F238E27FC236}">
-                    <a16:creationId xmlns:a16="http://schemas.microsoft.com/office/drawing/2014/main" id="{9D277881-20BA-9B1C-4AFE-034A731DC489}"/>
-                  </a:ext>
-                </a:extLst>
-              </p:cNvPr>
-              <p:cNvSpPr txBox="1">
-                <a:spLocks noRot="1" noChangeAspect="1" noMove="1" noResize="1" noEditPoints="1" noAdjustHandles="1" noChangeArrowheads="1" noChangeShapeType="1" noTextEdit="1"/>
-              </p:cNvSpPr>
-              <p:nvPr/>
-            </p:nvSpPr>
-            <p:spPr>
-              <a:xfrm>
-                <a:off x="217746" y="3429000"/>
-                <a:ext cx="3282836" cy="582404"/>
-              </a:xfrm>
-              <a:prstGeom prst="rect">
-                <a:avLst/>
-              </a:prstGeom>
-              <a:blipFill>
-                <a:blip r:embed="rId3"/>
-                <a:stretch>
-                  <a:fillRect/>
-                </a:stretch>
-              </a:blipFill>
-            </p:spPr>
-            <p:txBody>
-              <a:bodyPr/>
-              <a:lstStyle/>
-              <a:p>
-                <a:r>
-                  <a:rPr lang="ko-KR" altLang="en-US">
-                    <a:noFill/>
-                  </a:rPr>
-                  <a:t> </a:t>
-                </a:r>
-              </a:p>
-            </p:txBody>
-          </p:sp>
-        </mc:Fallback>
-      </mc:AlternateContent>
     </p:spTree>
     <p:extLst>
       <p:ext uri="{BB962C8B-B14F-4D97-AF65-F5344CB8AC3E}">
